--- a/Documents/Methods.pptx
+++ b/Documents/Methods.pptx
@@ -6,12 +6,13 @@
   </p:sldMasterIdLst>
   <p:sldIdLst>
     <p:sldId id="256" r:id="rId2"/>
-    <p:sldId id="257" r:id="rId3"/>
-    <p:sldId id="258" r:id="rId4"/>
-    <p:sldId id="259" r:id="rId5"/>
-    <p:sldId id="260" r:id="rId6"/>
-    <p:sldId id="261" r:id="rId7"/>
-    <p:sldId id="262" r:id="rId8"/>
+    <p:sldId id="263" r:id="rId3"/>
+    <p:sldId id="257" r:id="rId4"/>
+    <p:sldId id="265" r:id="rId5"/>
+    <p:sldId id="258" r:id="rId6"/>
+    <p:sldId id="259" r:id="rId7"/>
+    <p:sldId id="260" r:id="rId8"/>
+    <p:sldId id="261" r:id="rId9"/>
   </p:sldIdLst>
   <p:sldSz cx="12192000" cy="6858000"/>
   <p:notesSz cx="6858000" cy="9144000"/>
@@ -110,6 +111,11 @@
       </a:defRPr>
     </a:lvl9pPr>
   </p:defaultTextStyle>
+  <p:extLst>
+    <p:ext uri="{EFAFB233-063F-42B5-8137-9DF3F51BA10A}">
+      <p15:sldGuideLst xmlns:p15="http://schemas.microsoft.com/office/powerpoint/2012/main"/>
+    </p:ext>
+  </p:extLst>
 </p:presentation>
 </file>
 
@@ -260,7 +266,7 @@
           <a:p>
             <a:fld id="{2DA3312B-7811-4543-BF55-FDEEAF7BFC96}" type="datetimeFigureOut">
               <a:rPr lang="en-US" smtClean="0"/>
-              <a:t>1/6/2025</a:t>
+              <a:t>1/7/2025</a:t>
             </a:fld>
             <a:endParaRPr lang="en-US"/>
           </a:p>
@@ -458,7 +464,7 @@
           <a:p>
             <a:fld id="{2DA3312B-7811-4543-BF55-FDEEAF7BFC96}" type="datetimeFigureOut">
               <a:rPr lang="en-US" smtClean="0"/>
-              <a:t>1/6/2025</a:t>
+              <a:t>1/7/2025</a:t>
             </a:fld>
             <a:endParaRPr lang="en-US"/>
           </a:p>
@@ -666,7 +672,7 @@
           <a:p>
             <a:fld id="{2DA3312B-7811-4543-BF55-FDEEAF7BFC96}" type="datetimeFigureOut">
               <a:rPr lang="en-US" smtClean="0"/>
-              <a:t>1/6/2025</a:t>
+              <a:t>1/7/2025</a:t>
             </a:fld>
             <a:endParaRPr lang="en-US"/>
           </a:p>
@@ -864,7 +870,7 @@
           <a:p>
             <a:fld id="{2DA3312B-7811-4543-BF55-FDEEAF7BFC96}" type="datetimeFigureOut">
               <a:rPr lang="en-US" smtClean="0"/>
-              <a:t>1/6/2025</a:t>
+              <a:t>1/7/2025</a:t>
             </a:fld>
             <a:endParaRPr lang="en-US"/>
           </a:p>
@@ -1139,7 +1145,7 @@
           <a:p>
             <a:fld id="{2DA3312B-7811-4543-BF55-FDEEAF7BFC96}" type="datetimeFigureOut">
               <a:rPr lang="en-US" smtClean="0"/>
-              <a:t>1/6/2025</a:t>
+              <a:t>1/7/2025</a:t>
             </a:fld>
             <a:endParaRPr lang="en-US"/>
           </a:p>
@@ -1404,7 +1410,7 @@
           <a:p>
             <a:fld id="{2DA3312B-7811-4543-BF55-FDEEAF7BFC96}" type="datetimeFigureOut">
               <a:rPr lang="en-US" smtClean="0"/>
-              <a:t>1/6/2025</a:t>
+              <a:t>1/7/2025</a:t>
             </a:fld>
             <a:endParaRPr lang="en-US"/>
           </a:p>
@@ -1816,7 +1822,7 @@
           <a:p>
             <a:fld id="{2DA3312B-7811-4543-BF55-FDEEAF7BFC96}" type="datetimeFigureOut">
               <a:rPr lang="en-US" smtClean="0"/>
-              <a:t>1/6/2025</a:t>
+              <a:t>1/7/2025</a:t>
             </a:fld>
             <a:endParaRPr lang="en-US"/>
           </a:p>
@@ -1957,7 +1963,7 @@
           <a:p>
             <a:fld id="{2DA3312B-7811-4543-BF55-FDEEAF7BFC96}" type="datetimeFigureOut">
               <a:rPr lang="en-US" smtClean="0"/>
-              <a:t>1/6/2025</a:t>
+              <a:t>1/7/2025</a:t>
             </a:fld>
             <a:endParaRPr lang="en-US"/>
           </a:p>
@@ -2070,7 +2076,7 @@
           <a:p>
             <a:fld id="{2DA3312B-7811-4543-BF55-FDEEAF7BFC96}" type="datetimeFigureOut">
               <a:rPr lang="en-US" smtClean="0"/>
-              <a:t>1/6/2025</a:t>
+              <a:t>1/7/2025</a:t>
             </a:fld>
             <a:endParaRPr lang="en-US"/>
           </a:p>
@@ -2381,7 +2387,7 @@
           <a:p>
             <a:fld id="{2DA3312B-7811-4543-BF55-FDEEAF7BFC96}" type="datetimeFigureOut">
               <a:rPr lang="en-US" smtClean="0"/>
-              <a:t>1/6/2025</a:t>
+              <a:t>1/7/2025</a:t>
             </a:fld>
             <a:endParaRPr lang="en-US"/>
           </a:p>
@@ -2669,7 +2675,7 @@
           <a:p>
             <a:fld id="{2DA3312B-7811-4543-BF55-FDEEAF7BFC96}" type="datetimeFigureOut">
               <a:rPr lang="en-US" smtClean="0"/>
-              <a:t>1/6/2025</a:t>
+              <a:t>1/7/2025</a:t>
             </a:fld>
             <a:endParaRPr lang="en-US"/>
           </a:p>
@@ -2910,7 +2916,7 @@
           <a:p>
             <a:fld id="{2DA3312B-7811-4543-BF55-FDEEAF7BFC96}" type="datetimeFigureOut">
               <a:rPr lang="en-US" smtClean="0"/>
-              <a:t>1/6/2025</a:t>
+              <a:t>1/7/2025</a:t>
             </a:fld>
             <a:endParaRPr lang="en-US"/>
           </a:p>
@@ -3428,6 +3434,89 @@
           <p:cNvPr id="2" name="Title 1">
             <a:extLst>
               <a:ext uri="{FF2B5EF4-FFF2-40B4-BE49-F238E27FC236}">
+                <a16:creationId xmlns:a16="http://schemas.microsoft.com/office/drawing/2014/main" id="{03D8D492-6622-0245-1925-87B512A70817}"/>
+              </a:ext>
+            </a:extLst>
+          </p:cNvPr>
+          <p:cNvSpPr>
+            <a:spLocks noGrp="1"/>
+          </p:cNvSpPr>
+          <p:nvPr>
+            <p:ph type="title"/>
+          </p:nvPr>
+        </p:nvSpPr>
+        <p:spPr/>
+        <p:txBody>
+          <a:bodyPr/>
+          <a:lstStyle/>
+          <a:p>
+            <a:endParaRPr lang="en-US"/>
+          </a:p>
+        </p:txBody>
+      </p:sp>
+      <p:sp>
+        <p:nvSpPr>
+          <p:cNvPr id="3" name="Content Placeholder 2">
+            <a:extLst>
+              <a:ext uri="{FF2B5EF4-FFF2-40B4-BE49-F238E27FC236}">
+                <a16:creationId xmlns:a16="http://schemas.microsoft.com/office/drawing/2014/main" id="{BB1B34F7-548A-F208-FAB9-32DD762479C9}"/>
+              </a:ext>
+            </a:extLst>
+          </p:cNvPr>
+          <p:cNvSpPr>
+            <a:spLocks noGrp="1"/>
+          </p:cNvSpPr>
+          <p:nvPr>
+            <p:ph idx="1"/>
+          </p:nvPr>
+        </p:nvSpPr>
+        <p:spPr/>
+        <p:txBody>
+          <a:bodyPr/>
+          <a:lstStyle/>
+          <a:p>
+            <a:r>
+              <a:rPr lang="en-US" dirty="0"/>
+              <a:t>As a variant of recurrent neural networks (RNNs), LSTM offers versatility across a wide range of problems and has seen extensive adoption</a:t>
+            </a:r>
+          </a:p>
+        </p:txBody>
+      </p:sp>
+    </p:spTree>
+    <p:extLst>
+      <p:ext uri="{BB962C8B-B14F-4D97-AF65-F5344CB8AC3E}">
+        <p14:creationId xmlns:p14="http://schemas.microsoft.com/office/powerpoint/2010/main" val="3250953306"/>
+      </p:ext>
+    </p:extLst>
+  </p:cSld>
+  <p:clrMapOvr>
+    <a:masterClrMapping/>
+  </p:clrMapOvr>
+</p:sld>
+</file>
+
+<file path=ppt/slides/slide3.xml><?xml version="1.0" encoding="utf-8"?>
+<p:sld xmlns:a="http://schemas.openxmlformats.org/drawingml/2006/main" xmlns:r="http://schemas.openxmlformats.org/officeDocument/2006/relationships" xmlns:p="http://schemas.openxmlformats.org/presentationml/2006/main">
+  <p:cSld>
+    <p:spTree>
+      <p:nvGrpSpPr>
+        <p:cNvPr id="1" name=""/>
+        <p:cNvGrpSpPr/>
+        <p:nvPr/>
+      </p:nvGrpSpPr>
+      <p:grpSpPr>
+        <a:xfrm>
+          <a:off x="0" y="0"/>
+          <a:ext cx="0" cy="0"/>
+          <a:chOff x="0" y="0"/>
+          <a:chExt cx="0" cy="0"/>
+        </a:xfrm>
+      </p:grpSpPr>
+      <p:sp>
+        <p:nvSpPr>
+          <p:cNvPr id="2" name="Title 1">
+            <a:extLst>
+              <a:ext uri="{FF2B5EF4-FFF2-40B4-BE49-F238E27FC236}">
                 <a16:creationId xmlns:a16="http://schemas.microsoft.com/office/drawing/2014/main" id="{653C3DD8-32F3-E6DC-B311-EE91C0C18ABA}"/>
               </a:ext>
             </a:extLst>
@@ -3480,14 +3569,19 @@
             <p:ph idx="1"/>
           </p:nvPr>
         </p:nvSpPr>
-        <p:spPr/>
+        <p:spPr>
+          <a:xfrm>
+            <a:off x="838200" y="1825625"/>
+            <a:ext cx="5715000" cy="4351338"/>
+          </a:xfrm>
+        </p:spPr>
         <p:txBody>
           <a:bodyPr/>
           <a:lstStyle/>
           <a:p>
             <a:r>
               <a:rPr lang="en-US" dirty="0"/>
-              <a:t>LSTM cell is a building block that you can use to build a larger neural network. </a:t>
+              <a:t>LSTM cell is a building block that you can use to build a larger neural network. Its effectiveness stems from its capability to handle the challenge of retaining information over long periods by integrating gate units and memory cells into the neural network architecture. These memory cells maintain cell states that store recently encountered data.</a:t>
             </a:r>
           </a:p>
           <a:p>
@@ -3524,7 +3618,7 @@
         </p:blipFill>
         <p:spPr bwMode="auto">
           <a:xfrm>
-            <a:off x="3140177" y="2150038"/>
+            <a:off x="6164826" y="2397125"/>
             <a:ext cx="5715000" cy="3914775"/>
           </a:xfrm>
           <a:prstGeom prst="rect">
@@ -3555,7 +3649,7 @@
 </p:sld>
 </file>
 
-<file path=ppt/slides/slide3.xml><?xml version="1.0" encoding="utf-8"?>
+<file path=ppt/slides/slide4.xml><?xml version="1.0" encoding="utf-8"?>
 <p:sld xmlns:a="http://schemas.openxmlformats.org/drawingml/2006/main" xmlns:r="http://schemas.openxmlformats.org/officeDocument/2006/relationships" xmlns:p="http://schemas.openxmlformats.org/presentationml/2006/main">
   <p:cSld>
     <p:spTree>
@@ -3577,6 +3671,89 @@
           <p:cNvPr id="2" name="Title 1">
             <a:extLst>
               <a:ext uri="{FF2B5EF4-FFF2-40B4-BE49-F238E27FC236}">
+                <a16:creationId xmlns:a16="http://schemas.microsoft.com/office/drawing/2014/main" id="{B28B2D13-4FE4-D0EB-7ECF-971B02680F88}"/>
+              </a:ext>
+            </a:extLst>
+          </p:cNvPr>
+          <p:cNvSpPr>
+            <a:spLocks noGrp="1"/>
+          </p:cNvSpPr>
+          <p:nvPr>
+            <p:ph type="title"/>
+          </p:nvPr>
+        </p:nvSpPr>
+        <p:spPr/>
+        <p:txBody>
+          <a:bodyPr/>
+          <a:lstStyle/>
+          <a:p>
+            <a:endParaRPr lang="en-US"/>
+          </a:p>
+        </p:txBody>
+      </p:sp>
+      <p:sp>
+        <p:nvSpPr>
+          <p:cNvPr id="3" name="Content Placeholder 2">
+            <a:extLst>
+              <a:ext uri="{FF2B5EF4-FFF2-40B4-BE49-F238E27FC236}">
+                <a16:creationId xmlns:a16="http://schemas.microsoft.com/office/drawing/2014/main" id="{E4E781A7-5FED-2CF7-7C75-E6F83526D8C0}"/>
+              </a:ext>
+            </a:extLst>
+          </p:cNvPr>
+          <p:cNvSpPr>
+            <a:spLocks noGrp="1"/>
+          </p:cNvSpPr>
+          <p:nvPr>
+            <p:ph idx="1"/>
+          </p:nvPr>
+        </p:nvSpPr>
+        <p:spPr/>
+        <p:txBody>
+          <a:bodyPr/>
+          <a:lstStyle/>
+          <a:p>
+            <a:r>
+              <a:rPr lang="en-US" dirty="0"/>
+              <a:t>Within LSTM, gates control data flow into the cell state, combining sigmoid functions with multiplication processes to regulate data passage. Various gates, including input, forget, and output gates, facilitate data transfer between cells, ensuring effective information processing and retention.</a:t>
+            </a:r>
+          </a:p>
+        </p:txBody>
+      </p:sp>
+    </p:spTree>
+    <p:extLst>
+      <p:ext uri="{BB962C8B-B14F-4D97-AF65-F5344CB8AC3E}">
+        <p14:creationId xmlns:p14="http://schemas.microsoft.com/office/powerpoint/2010/main" val="3575480985"/>
+      </p:ext>
+    </p:extLst>
+  </p:cSld>
+  <p:clrMapOvr>
+    <a:masterClrMapping/>
+  </p:clrMapOvr>
+</p:sld>
+</file>
+
+<file path=ppt/slides/slide5.xml><?xml version="1.0" encoding="utf-8"?>
+<p:sld xmlns:a="http://schemas.openxmlformats.org/drawingml/2006/main" xmlns:r="http://schemas.openxmlformats.org/officeDocument/2006/relationships" xmlns:p="http://schemas.openxmlformats.org/presentationml/2006/main">
+  <p:cSld>
+    <p:spTree>
+      <p:nvGrpSpPr>
+        <p:cNvPr id="1" name=""/>
+        <p:cNvGrpSpPr/>
+        <p:nvPr/>
+      </p:nvGrpSpPr>
+      <p:grpSpPr>
+        <a:xfrm>
+          <a:off x="0" y="0"/>
+          <a:ext cx="0" cy="0"/>
+          <a:chOff x="0" y="0"/>
+          <a:chExt cx="0" cy="0"/>
+        </a:xfrm>
+      </p:grpSpPr>
+      <p:sp>
+        <p:nvSpPr>
+          <p:cNvPr id="2" name="Title 1">
+            <a:extLst>
+              <a:ext uri="{FF2B5EF4-FFF2-40B4-BE49-F238E27FC236}">
                 <a16:creationId xmlns:a16="http://schemas.microsoft.com/office/drawing/2014/main" id="{839E2A2C-44D1-DCAF-99E9-7C736EA8F44F}"/>
               </a:ext>
             </a:extLst>
@@ -3757,7 +3934,7 @@
 </p:sld>
 </file>
 
-<file path=ppt/slides/slide4.xml><?xml version="1.0" encoding="utf-8"?>
+<file path=ppt/slides/slide6.xml><?xml version="1.0" encoding="utf-8"?>
 <p:sld xmlns:a="http://schemas.openxmlformats.org/drawingml/2006/main" xmlns:r="http://schemas.openxmlformats.org/officeDocument/2006/relationships" xmlns:p="http://schemas.openxmlformats.org/presentationml/2006/main">
   <p:cSld>
     <p:spTree>
@@ -3880,276 +4057,6 @@
 </p:sld>
 </file>
 
-<file path=ppt/slides/slide5.xml><?xml version="1.0" encoding="utf-8"?>
-<p:sld xmlns:a="http://schemas.openxmlformats.org/drawingml/2006/main" xmlns:r="http://schemas.openxmlformats.org/officeDocument/2006/relationships" xmlns:p="http://schemas.openxmlformats.org/presentationml/2006/main">
-  <p:cSld>
-    <p:spTree>
-      <p:nvGrpSpPr>
-        <p:cNvPr id="1" name=""/>
-        <p:cNvGrpSpPr/>
-        <p:nvPr/>
-      </p:nvGrpSpPr>
-      <p:grpSpPr>
-        <a:xfrm>
-          <a:off x="0" y="0"/>
-          <a:ext cx="0" cy="0"/>
-          <a:chOff x="0" y="0"/>
-          <a:chExt cx="0" cy="0"/>
-        </a:xfrm>
-      </p:grpSpPr>
-      <p:sp>
-        <p:nvSpPr>
-          <p:cNvPr id="2" name="Title 1">
-            <a:extLst>
-              <a:ext uri="{FF2B5EF4-FFF2-40B4-BE49-F238E27FC236}">
-                <a16:creationId xmlns:a16="http://schemas.microsoft.com/office/drawing/2014/main" id="{89A90E3C-0D71-A85B-5642-7FD16F923B2E}"/>
-              </a:ext>
-            </a:extLst>
-          </p:cNvPr>
-          <p:cNvSpPr>
-            <a:spLocks noGrp="1"/>
-          </p:cNvSpPr>
-          <p:nvPr>
-            <p:ph type="title"/>
-          </p:nvPr>
-        </p:nvSpPr>
-        <p:spPr/>
-        <p:txBody>
-          <a:bodyPr/>
-          <a:lstStyle/>
-          <a:p>
-            <a:endParaRPr lang="en-US"/>
-          </a:p>
-        </p:txBody>
-      </p:sp>
-      <p:sp>
-        <p:nvSpPr>
-          <p:cNvPr id="3" name="Content Placeholder 2">
-            <a:extLst>
-              <a:ext uri="{FF2B5EF4-FFF2-40B4-BE49-F238E27FC236}">
-                <a16:creationId xmlns:a16="http://schemas.microsoft.com/office/drawing/2014/main" id="{B1A7FACD-B6E2-CBD7-EC6C-2B97F73D7B56}"/>
-              </a:ext>
-            </a:extLst>
-          </p:cNvPr>
-          <p:cNvSpPr>
-            <a:spLocks noGrp="1"/>
-          </p:cNvSpPr>
-          <p:nvPr>
-            <p:ph idx="1"/>
-          </p:nvPr>
-        </p:nvSpPr>
-        <p:spPr/>
-        <p:txBody>
-          <a:bodyPr/>
-          <a:lstStyle/>
-          <a:p>
-            <a:r>
-              <a:rPr lang="en-US" b="0" i="0" dirty="0">
-                <a:solidFill>
-                  <a:srgbClr val="555555"/>
-                </a:solidFill>
-                <a:effectLst/>
-                <a:latin typeface="Helvetica Neue"/>
-              </a:rPr>
-              <a:t>Where </a:t>
-            </a:r>
-            <a:r>
-              <a:rPr lang="en-US" dirty="0"/>
-              <a:t>W</a:t>
-            </a:r>
-            <a:r>
-              <a:rPr lang="en-US" b="0" i="0" dirty="0">
-                <a:solidFill>
-                  <a:srgbClr val="555555"/>
-                </a:solidFill>
-                <a:effectLst/>
-                <a:latin typeface="Helvetica Neue"/>
-              </a:rPr>
-              <a:t>, </a:t>
-            </a:r>
-            <a:r>
-              <a:rPr lang="en-US" dirty="0"/>
-              <a:t>U</a:t>
-            </a:r>
-            <a:r>
-              <a:rPr lang="en-US" b="0" i="0" dirty="0">
-                <a:solidFill>
-                  <a:srgbClr val="555555"/>
-                </a:solidFill>
-                <a:effectLst/>
-                <a:latin typeface="Helvetica Neue"/>
-              </a:rPr>
-              <a:t>, </a:t>
-            </a:r>
-            <a:r>
-              <a:rPr lang="en-US" dirty="0"/>
-              <a:t>b</a:t>
-            </a:r>
-            <a:r>
-              <a:rPr lang="en-US" b="0" i="0" dirty="0">
-                <a:solidFill>
-                  <a:srgbClr val="555555"/>
-                </a:solidFill>
-                <a:effectLst/>
-                <a:latin typeface="Helvetica Neue"/>
-              </a:rPr>
-              <a:t> are trainable parameters of the LSTM cell. Each equation above is computed for each time step, hence with subscript </a:t>
-            </a:r>
-            <a:r>
-              <a:rPr lang="en-US" dirty="0"/>
-              <a:t>t</a:t>
-            </a:r>
-            <a:r>
-              <a:rPr lang="en-US" b="0" i="0" dirty="0">
-                <a:solidFill>
-                  <a:srgbClr val="555555"/>
-                </a:solidFill>
-                <a:effectLst/>
-                <a:latin typeface="Helvetica Neue"/>
-              </a:rPr>
-              <a:t>. These trainable parameters are </a:t>
-            </a:r>
-            <a:r>
-              <a:rPr lang="en-US" b="1" i="0" dirty="0">
-                <a:solidFill>
-                  <a:srgbClr val="555555"/>
-                </a:solidFill>
-                <a:effectLst/>
-                <a:latin typeface="Helvetica Neue"/>
-              </a:rPr>
-              <a:t>reused</a:t>
-            </a:r>
-            <a:r>
-              <a:rPr lang="en-US" b="0" i="0" dirty="0">
-                <a:solidFill>
-                  <a:srgbClr val="555555"/>
-                </a:solidFill>
-                <a:effectLst/>
-                <a:latin typeface="Helvetica Neue"/>
-              </a:rPr>
-              <a:t> for all the time steps. This nature of shared parameter bring the memory power to the LSTM.</a:t>
-            </a:r>
-            <a:endParaRPr lang="en-US" dirty="0"/>
-          </a:p>
-        </p:txBody>
-      </p:sp>
-    </p:spTree>
-    <p:extLst>
-      <p:ext uri="{BB962C8B-B14F-4D97-AF65-F5344CB8AC3E}">
-        <p14:creationId xmlns:p14="http://schemas.microsoft.com/office/powerpoint/2010/main" val="824291807"/>
-      </p:ext>
-    </p:extLst>
-  </p:cSld>
-  <p:clrMapOvr>
-    <a:masterClrMapping/>
-  </p:clrMapOvr>
-</p:sld>
-</file>
-
-<file path=ppt/slides/slide6.xml><?xml version="1.0" encoding="utf-8"?>
-<p:sld xmlns:a="http://schemas.openxmlformats.org/drawingml/2006/main" xmlns:r="http://schemas.openxmlformats.org/officeDocument/2006/relationships" xmlns:p="http://schemas.openxmlformats.org/presentationml/2006/main">
-  <p:cSld>
-    <p:spTree>
-      <p:nvGrpSpPr>
-        <p:cNvPr id="1" name=""/>
-        <p:cNvGrpSpPr/>
-        <p:nvPr/>
-      </p:nvGrpSpPr>
-      <p:grpSpPr>
-        <a:xfrm>
-          <a:off x="0" y="0"/>
-          <a:ext cx="0" cy="0"/>
-          <a:chOff x="0" y="0"/>
-          <a:chExt cx="0" cy="0"/>
-        </a:xfrm>
-      </p:grpSpPr>
-      <p:sp>
-        <p:nvSpPr>
-          <p:cNvPr id="2" name="Title 1">
-            <a:extLst>
-              <a:ext uri="{FF2B5EF4-FFF2-40B4-BE49-F238E27FC236}">
-                <a16:creationId xmlns:a16="http://schemas.microsoft.com/office/drawing/2014/main" id="{796B0AF0-1522-350B-05BE-9FFADAB5D164}"/>
-              </a:ext>
-            </a:extLst>
-          </p:cNvPr>
-          <p:cNvSpPr>
-            <a:spLocks noGrp="1"/>
-          </p:cNvSpPr>
-          <p:nvPr>
-            <p:ph type="title"/>
-          </p:nvPr>
-        </p:nvSpPr>
-        <p:spPr/>
-        <p:txBody>
-          <a:bodyPr/>
-          <a:lstStyle/>
-          <a:p>
-            <a:endParaRPr lang="en-US"/>
-          </a:p>
-        </p:txBody>
-      </p:sp>
-      <p:sp>
-        <p:nvSpPr>
-          <p:cNvPr id="3" name="Content Placeholder 2">
-            <a:extLst>
-              <a:ext uri="{FF2B5EF4-FFF2-40B4-BE49-F238E27FC236}">
-                <a16:creationId xmlns:a16="http://schemas.microsoft.com/office/drawing/2014/main" id="{E1EEE313-3EBD-BE37-BE0F-DBED2B01640E}"/>
-              </a:ext>
-            </a:extLst>
-          </p:cNvPr>
-          <p:cNvSpPr>
-            <a:spLocks noGrp="1"/>
-          </p:cNvSpPr>
-          <p:nvPr>
-            <p:ph idx="1"/>
-          </p:nvPr>
-        </p:nvSpPr>
-        <p:spPr/>
-        <p:txBody>
-          <a:bodyPr/>
-          <a:lstStyle/>
-          <a:p>
-            <a:r>
-              <a:rPr lang="en-US" b="0" i="0" dirty="0">
-                <a:solidFill>
-                  <a:srgbClr val="555555"/>
-                </a:solidFill>
-                <a:effectLst/>
-                <a:latin typeface="Helvetica Neue"/>
-              </a:rPr>
-              <a:t>Since the LSTM cell expects the input </a:t>
-            </a:r>
-            <a:r>
-              <a:rPr lang="en-US" dirty="0"/>
-              <a:t>x</a:t>
-            </a:r>
-            <a:r>
-              <a:rPr lang="en-US" b="0" i="0" dirty="0">
-                <a:solidFill>
-                  <a:srgbClr val="555555"/>
-                </a:solidFill>
-                <a:effectLst/>
-                <a:latin typeface="Helvetica Neue"/>
-              </a:rPr>
-              <a:t> in the form of multiple time steps, each input sample should be a 2D tensors: One dimension for time and another dimension for features. The power of an LSTM cell depends on the size of the hidden state or cell memory, which usually has a larger dimension than the number of features in the input.</a:t>
-            </a:r>
-            <a:endParaRPr lang="en-US" dirty="0"/>
-          </a:p>
-        </p:txBody>
-      </p:sp>
-    </p:spTree>
-    <p:extLst>
-      <p:ext uri="{BB962C8B-B14F-4D97-AF65-F5344CB8AC3E}">
-        <p14:creationId xmlns:p14="http://schemas.microsoft.com/office/powerpoint/2010/main" val="1134541713"/>
-      </p:ext>
-    </p:extLst>
-  </p:cSld>
-  <p:clrMapOvr>
-    <a:masterClrMapping/>
-  </p:clrMapOvr>
-</p:sld>
-</file>
-
 <file path=ppt/slides/slide7.xml><?xml version="1.0" encoding="utf-8"?>
 <p:sld xmlns:a="http://schemas.openxmlformats.org/drawingml/2006/main" xmlns:r="http://schemas.openxmlformats.org/officeDocument/2006/relationships" xmlns:p="http://schemas.openxmlformats.org/presentationml/2006/main">
   <p:cSld>
@@ -4172,7 +4079,7 @@
           <p:cNvPr id="2" name="Title 1">
             <a:extLst>
               <a:ext uri="{FF2B5EF4-FFF2-40B4-BE49-F238E27FC236}">
-                <a16:creationId xmlns:a16="http://schemas.microsoft.com/office/drawing/2014/main" id="{65BA3557-5A16-1C3B-870D-406C60CEDD29}"/>
+                <a16:creationId xmlns:a16="http://schemas.microsoft.com/office/drawing/2014/main" id="{89A90E3C-0D71-A85B-5642-7FD16F923B2E}"/>
               </a:ext>
             </a:extLst>
           </p:cNvPr>
@@ -4185,52 +4092,232 @@
         </p:nvSpPr>
         <p:spPr/>
         <p:txBody>
-          <a:bodyPr>
-            <a:normAutofit/>
-          </a:bodyPr>
-          <a:lstStyle/>
-          <a:p>
-            <a:pPr fontAlgn="base"/>
-            <a:r>
-              <a:rPr lang="en-US" b="1" i="0" dirty="0">
+          <a:bodyPr/>
+          <a:lstStyle/>
+          <a:p>
+            <a:endParaRPr lang="en-US"/>
+          </a:p>
+        </p:txBody>
+      </p:sp>
+      <p:sp>
+        <p:nvSpPr>
+          <p:cNvPr id="3" name="Content Placeholder 2">
+            <a:extLst>
+              <a:ext uri="{FF2B5EF4-FFF2-40B4-BE49-F238E27FC236}">
+                <a16:creationId xmlns:a16="http://schemas.microsoft.com/office/drawing/2014/main" id="{B1A7FACD-B6E2-CBD7-EC6C-2B97F73D7B56}"/>
+              </a:ext>
+            </a:extLst>
+          </p:cNvPr>
+          <p:cNvSpPr>
+            <a:spLocks noGrp="1"/>
+          </p:cNvSpPr>
+          <p:nvPr>
+            <p:ph idx="1"/>
+          </p:nvPr>
+        </p:nvSpPr>
+        <p:spPr/>
+        <p:txBody>
+          <a:bodyPr/>
+          <a:lstStyle/>
+          <a:p>
+            <a:r>
+              <a:rPr lang="en-US" b="0" i="0" dirty="0">
+                <a:solidFill>
+                  <a:srgbClr val="555555"/>
+                </a:solidFill>
                 <a:effectLst/>
                 <a:latin typeface="Helvetica Neue"/>
               </a:rPr>
-              <a:t>LSTM for Time Series Prediction</a:t>
+              <a:t>Where </a:t>
+            </a:r>
+            <a:r>
+              <a:rPr lang="en-US" dirty="0"/>
+              <a:t>W</a:t>
+            </a:r>
+            <a:r>
+              <a:rPr lang="en-US" b="0" i="0" dirty="0">
+                <a:solidFill>
+                  <a:srgbClr val="555555"/>
+                </a:solidFill>
+                <a:effectLst/>
+                <a:latin typeface="Helvetica Neue"/>
+              </a:rPr>
+              <a:t>, </a:t>
+            </a:r>
+            <a:r>
+              <a:rPr lang="en-US" dirty="0"/>
+              <a:t>U</a:t>
+            </a:r>
+            <a:r>
+              <a:rPr lang="en-US" b="0" i="0" dirty="0">
+                <a:solidFill>
+                  <a:srgbClr val="555555"/>
+                </a:solidFill>
+                <a:effectLst/>
+                <a:latin typeface="Helvetica Neue"/>
+              </a:rPr>
+              <a:t>, </a:t>
+            </a:r>
+            <a:r>
+              <a:rPr lang="en-US" dirty="0"/>
+              <a:t>b</a:t>
+            </a:r>
+            <a:r>
+              <a:rPr lang="en-US" b="0" i="0" dirty="0">
+                <a:solidFill>
+                  <a:srgbClr val="555555"/>
+                </a:solidFill>
+                <a:effectLst/>
+                <a:latin typeface="Helvetica Neue"/>
+              </a:rPr>
+              <a:t> are trainable parameters of the LSTM cell. Each equation above is computed for each time step, hence with subscript </a:t>
+            </a:r>
+            <a:r>
+              <a:rPr lang="en-US" dirty="0"/>
+              <a:t>t</a:t>
+            </a:r>
+            <a:r>
+              <a:rPr lang="en-US" b="0" i="0" dirty="0">
+                <a:solidFill>
+                  <a:srgbClr val="555555"/>
+                </a:solidFill>
+                <a:effectLst/>
+                <a:latin typeface="Helvetica Neue"/>
+              </a:rPr>
+              <a:t>. These trainable parameters are </a:t>
+            </a:r>
+            <a:r>
+              <a:rPr lang="en-US" b="1" i="0" dirty="0">
+                <a:solidFill>
+                  <a:srgbClr val="555555"/>
+                </a:solidFill>
+                <a:effectLst/>
+                <a:latin typeface="Helvetica Neue"/>
+              </a:rPr>
+              <a:t>reused</a:t>
+            </a:r>
+            <a:r>
+              <a:rPr lang="en-US" b="0" i="0" dirty="0">
+                <a:solidFill>
+                  <a:srgbClr val="555555"/>
+                </a:solidFill>
+                <a:effectLst/>
+                <a:latin typeface="Helvetica Neue"/>
+              </a:rPr>
+              <a:t> for all the time steps. This nature of shared parameter bring the memory power to the LSTM.</a:t>
             </a:r>
             <a:endParaRPr lang="en-US" dirty="0"/>
-          </a:p>
-        </p:txBody>
-      </p:sp>
-      <p:sp>
-        <p:nvSpPr>
-          <p:cNvPr id="3" name="Content Placeholder 2">
-            <a:extLst>
-              <a:ext uri="{FF2B5EF4-FFF2-40B4-BE49-F238E27FC236}">
-                <a16:creationId xmlns:a16="http://schemas.microsoft.com/office/drawing/2014/main" id="{BB252B4D-D0CA-7388-3C0C-6840617ACB3F}"/>
-              </a:ext>
-            </a:extLst>
-          </p:cNvPr>
-          <p:cNvSpPr>
-            <a:spLocks noGrp="1"/>
-          </p:cNvSpPr>
-          <p:nvPr>
-            <p:ph idx="1"/>
-          </p:nvPr>
-        </p:nvSpPr>
-        <p:spPr/>
-        <p:txBody>
-          <a:bodyPr/>
-          <a:lstStyle/>
-          <a:p>
-            <a:endParaRPr lang="en-US"/>
           </a:p>
         </p:txBody>
       </p:sp>
     </p:spTree>
     <p:extLst>
       <p:ext uri="{BB962C8B-B14F-4D97-AF65-F5344CB8AC3E}">
-        <p14:creationId xmlns:p14="http://schemas.microsoft.com/office/powerpoint/2010/main" val="3017352642"/>
+        <p14:creationId xmlns:p14="http://schemas.microsoft.com/office/powerpoint/2010/main" val="824291807"/>
+      </p:ext>
+    </p:extLst>
+  </p:cSld>
+  <p:clrMapOvr>
+    <a:masterClrMapping/>
+  </p:clrMapOvr>
+</p:sld>
+</file>
+
+<file path=ppt/slides/slide8.xml><?xml version="1.0" encoding="utf-8"?>
+<p:sld xmlns:a="http://schemas.openxmlformats.org/drawingml/2006/main" xmlns:r="http://schemas.openxmlformats.org/officeDocument/2006/relationships" xmlns:p="http://schemas.openxmlformats.org/presentationml/2006/main">
+  <p:cSld>
+    <p:spTree>
+      <p:nvGrpSpPr>
+        <p:cNvPr id="1" name=""/>
+        <p:cNvGrpSpPr/>
+        <p:nvPr/>
+      </p:nvGrpSpPr>
+      <p:grpSpPr>
+        <a:xfrm>
+          <a:off x="0" y="0"/>
+          <a:ext cx="0" cy="0"/>
+          <a:chOff x="0" y="0"/>
+          <a:chExt cx="0" cy="0"/>
+        </a:xfrm>
+      </p:grpSpPr>
+      <p:sp>
+        <p:nvSpPr>
+          <p:cNvPr id="2" name="Title 1">
+            <a:extLst>
+              <a:ext uri="{FF2B5EF4-FFF2-40B4-BE49-F238E27FC236}">
+                <a16:creationId xmlns:a16="http://schemas.microsoft.com/office/drawing/2014/main" id="{796B0AF0-1522-350B-05BE-9FFADAB5D164}"/>
+              </a:ext>
+            </a:extLst>
+          </p:cNvPr>
+          <p:cNvSpPr>
+            <a:spLocks noGrp="1"/>
+          </p:cNvSpPr>
+          <p:nvPr>
+            <p:ph type="title"/>
+          </p:nvPr>
+        </p:nvSpPr>
+        <p:spPr/>
+        <p:txBody>
+          <a:bodyPr/>
+          <a:lstStyle/>
+          <a:p>
+            <a:endParaRPr lang="en-US"/>
+          </a:p>
+        </p:txBody>
+      </p:sp>
+      <p:sp>
+        <p:nvSpPr>
+          <p:cNvPr id="3" name="Content Placeholder 2">
+            <a:extLst>
+              <a:ext uri="{FF2B5EF4-FFF2-40B4-BE49-F238E27FC236}">
+                <a16:creationId xmlns:a16="http://schemas.microsoft.com/office/drawing/2014/main" id="{E1EEE313-3EBD-BE37-BE0F-DBED2B01640E}"/>
+              </a:ext>
+            </a:extLst>
+          </p:cNvPr>
+          <p:cNvSpPr>
+            <a:spLocks noGrp="1"/>
+          </p:cNvSpPr>
+          <p:nvPr>
+            <p:ph idx="1"/>
+          </p:nvPr>
+        </p:nvSpPr>
+        <p:spPr/>
+        <p:txBody>
+          <a:bodyPr/>
+          <a:lstStyle/>
+          <a:p>
+            <a:r>
+              <a:rPr lang="en-US" b="0" i="0" dirty="0">
+                <a:solidFill>
+                  <a:srgbClr val="555555"/>
+                </a:solidFill>
+                <a:effectLst/>
+                <a:latin typeface="Helvetica Neue"/>
+              </a:rPr>
+              <a:t>Since the LSTM cell expects the input </a:t>
+            </a:r>
+            <a:r>
+              <a:rPr lang="en-US" dirty="0"/>
+              <a:t>x</a:t>
+            </a:r>
+            <a:r>
+              <a:rPr lang="en-US" b="0" i="0" dirty="0">
+                <a:solidFill>
+                  <a:srgbClr val="555555"/>
+                </a:solidFill>
+                <a:effectLst/>
+                <a:latin typeface="Helvetica Neue"/>
+              </a:rPr>
+              <a:t> in the form of multiple time steps, each input sample should be a 2D tensors: One dimension for time and another dimension for features. The power of an LSTM cell depends on the size of the hidden state or cell memory, which usually has a larger dimension than the number of features in the input.</a:t>
+            </a:r>
+            <a:endParaRPr lang="en-US" dirty="0"/>
+          </a:p>
+        </p:txBody>
+      </p:sp>
+    </p:spTree>
+    <p:extLst>
+      <p:ext uri="{BB962C8B-B14F-4D97-AF65-F5344CB8AC3E}">
+        <p14:creationId xmlns:p14="http://schemas.microsoft.com/office/powerpoint/2010/main" val="1134541713"/>
       </p:ext>
     </p:extLst>
   </p:cSld>
